--- a/Design.pptx
+++ b/Design.pptx
@@ -241,7 +241,7 @@
           <a:p>
             <a:fld id="{C9C344DC-B920-6243-B588-6C6016CEBDB8}" type="datetimeFigureOut">
               <a:rPr lang="en-US" smtClean="0"/>
-              <a:t>7/12/22</a:t>
+              <a:t>11/7/23</a:t>
             </a:fld>
             <a:endParaRPr lang="en-US"/>
           </a:p>
@@ -1497,7 +1497,7 @@
           <a:p>
             <a:fld id="{44F99658-2C2E-3F46-8038-0BB986F35B2C}" type="datetime1">
               <a:rPr lang="en-US" smtClean="0"/>
-              <a:t>7/12/22</a:t>
+              <a:t>11/7/23</a:t>
             </a:fld>
             <a:endParaRPr lang="en-US"/>
           </a:p>
@@ -1689,7 +1689,7 @@
           <a:p>
             <a:fld id="{063D30FF-9F35-5243-A095-DBC0AF48D50B}" type="datetime1">
               <a:rPr lang="en-US" smtClean="0"/>
-              <a:t>7/12/22</a:t>
+              <a:t>11/7/23</a:t>
             </a:fld>
             <a:endParaRPr lang="en-US"/>
           </a:p>
@@ -1938,7 +1938,7 @@
           <a:p>
             <a:fld id="{EE2B94D7-4E0A-EB48-8275-E7D833DFB8F8}" type="datetime1">
               <a:rPr lang="en-US" smtClean="0"/>
-              <a:t>7/12/22</a:t>
+              <a:t>11/7/23</a:t>
             </a:fld>
             <a:endParaRPr lang="en-US"/>
           </a:p>
@@ -2254,7 +2254,7 @@
           <a:p>
             <a:fld id="{6EB58141-4D31-A944-9CAF-011ABD6DF848}" type="datetime1">
               <a:rPr lang="en-US" smtClean="0"/>
-              <a:t>7/12/22</a:t>
+              <a:t>11/7/23</a:t>
             </a:fld>
             <a:endParaRPr lang="en-US"/>
           </a:p>
@@ -2498,7 +2498,7 @@
           <a:p>
             <a:fld id="{F5EC3FCE-A33B-D947-9162-F4FEF3A42ACE}" type="datetime1">
               <a:rPr lang="en-US" smtClean="0"/>
-              <a:t>7/12/22</a:t>
+              <a:t>11/7/23</a:t>
             </a:fld>
             <a:endParaRPr lang="en-US"/>
           </a:p>
@@ -2877,7 +2877,7 @@
           <a:p>
             <a:fld id="{0373A9BC-30C3-8749-9178-56415B155021}" type="datetime1">
               <a:rPr lang="en-US" smtClean="0"/>
-              <a:t>7/12/22</a:t>
+              <a:t>11/7/23</a:t>
             </a:fld>
             <a:endParaRPr lang="en-US"/>
           </a:p>
@@ -3007,7 +3007,7 @@
           <a:p>
             <a:fld id="{AC0E9CE7-031E-9B4A-8388-B4F80B665433}" type="datetime1">
               <a:rPr lang="en-US" smtClean="0"/>
-              <a:t>7/12/22</a:t>
+              <a:t>11/7/23</a:t>
             </a:fld>
             <a:endParaRPr lang="en-US"/>
           </a:p>
@@ -3114,7 +3114,7 @@
           <a:p>
             <a:fld id="{5F3AAF8A-9ED5-D84B-A26A-6D98F96ABE16}" type="datetime1">
               <a:rPr lang="en-US" smtClean="0"/>
-              <a:t>7/12/22</a:t>
+              <a:t>11/7/23</a:t>
             </a:fld>
             <a:endParaRPr lang="en-US"/>
           </a:p>
@@ -3403,7 +3403,7 @@
           <a:p>
             <a:fld id="{3D908CF2-37BA-B243-81CD-31E094BF27A6}" type="datetime1">
               <a:rPr lang="en-US" smtClean="0"/>
-              <a:t>7/12/22</a:t>
+              <a:t>11/7/23</a:t>
             </a:fld>
             <a:endParaRPr lang="en-US"/>
           </a:p>
@@ -3672,7 +3672,7 @@
           <a:p>
             <a:fld id="{5D13550A-8C8E-FE4D-AC82-8AF4B781C52C}" type="datetime1">
               <a:rPr lang="en-US" smtClean="0"/>
-              <a:t>7/12/22</a:t>
+              <a:t>11/7/23</a:t>
             </a:fld>
             <a:endParaRPr lang="en-US"/>
           </a:p>
@@ -3895,7 +3895,7 @@
           <a:p>
             <a:fld id="{D3133A29-38A3-0445-815D-352A2DA8DF38}" type="datetime1">
               <a:rPr lang="en-US" smtClean="0"/>
-              <a:t>7/12/22</a:t>
+              <a:t>11/7/23</a:t>
             </a:fld>
             <a:endParaRPr lang="en-US"/>
           </a:p>
@@ -5349,6 +5349,90 @@
                 <a:latin typeface="Calibri" panose="020F0502020204030204" pitchFamily="34" charset="0"/>
               </a:rPr>
               <a:t>You will definitely need multiple slides for this section</a:t>
+            </a:r>
+          </a:p>
+        </p:txBody>
+      </p:sp>
+      <p:sp>
+        <p:nvSpPr>
+          <p:cNvPr id="9" name="TextBox 8">
+            <a:extLst>
+              <a:ext uri="{FF2B5EF4-FFF2-40B4-BE49-F238E27FC236}">
+                <a16:creationId xmlns:a16="http://schemas.microsoft.com/office/drawing/2014/main" id="{560BCA49-EA0B-9802-2D0A-48735ABCED8F}"/>
+              </a:ext>
+            </a:extLst>
+          </p:cNvPr>
+          <p:cNvSpPr txBox="1">
+            <a:spLocks noChangeAspect="1"/>
+          </p:cNvSpPr>
+          <p:nvPr/>
+        </p:nvSpPr>
+        <p:spPr>
+          <a:xfrm>
+            <a:off x="561752" y="3561346"/>
+            <a:ext cx="3964120" cy="2795002"/>
+          </a:xfrm>
+          <a:prstGeom prst="rect">
+            <a:avLst/>
+          </a:prstGeom>
+          <a:noFill/>
+          <a:ln>
+            <a:solidFill>
+              <a:schemeClr val="tx1"/>
+            </a:solidFill>
+          </a:ln>
+        </p:spPr>
+        <p:txBody>
+          <a:bodyPr wrap="square" rtlCol="0">
+            <a:noAutofit/>
+          </a:bodyPr>
+          <a:lstStyle/>
+          <a:p>
+            <a:r>
+              <a:rPr lang="en-US" sz="1100" dirty="0"/>
+              <a:t>Put your logic design for this function here</a:t>
+            </a:r>
+          </a:p>
+        </p:txBody>
+      </p:sp>
+      <p:sp>
+        <p:nvSpPr>
+          <p:cNvPr id="11" name="TextBox 10">
+            <a:extLst>
+              <a:ext uri="{FF2B5EF4-FFF2-40B4-BE49-F238E27FC236}">
+                <a16:creationId xmlns:a16="http://schemas.microsoft.com/office/drawing/2014/main" id="{0CFF366E-F8A2-27F1-F326-69372DDE6829}"/>
+              </a:ext>
+            </a:extLst>
+          </p:cNvPr>
+          <p:cNvSpPr txBox="1">
+            <a:spLocks noChangeAspect="1"/>
+          </p:cNvSpPr>
+          <p:nvPr/>
+        </p:nvSpPr>
+        <p:spPr>
+          <a:xfrm>
+            <a:off x="4668254" y="3561347"/>
+            <a:ext cx="3964120" cy="2795002"/>
+          </a:xfrm>
+          <a:prstGeom prst="rect">
+            <a:avLst/>
+          </a:prstGeom>
+          <a:noFill/>
+          <a:ln>
+            <a:solidFill>
+              <a:schemeClr val="tx1"/>
+            </a:solidFill>
+          </a:ln>
+        </p:spPr>
+        <p:txBody>
+          <a:bodyPr wrap="square" rtlCol="0">
+            <a:noAutofit/>
+          </a:bodyPr>
+          <a:lstStyle/>
+          <a:p>
+            <a:r>
+              <a:rPr lang="en-US" sz="1100" dirty="0"/>
+              <a:t>Continue here if needed</a:t>
             </a:r>
           </a:p>
         </p:txBody>
@@ -6774,17 +6858,21 @@
 </file>
 
 <file path=customXml/item1.xml><?xml version="1.0" encoding="utf-8"?>
-<?mso-contentType ?>
-<FormTemplates xmlns="http://schemas.microsoft.com/sharepoint/v3/contenttype/forms">
-  <Display>DocumentLibraryForm</Display>
-  <Edit>DocumentLibraryForm</Edit>
-  <New>DocumentLibraryForm</New>
-</FormTemplates>
+<p:properties xmlns:p="http://schemas.microsoft.com/office/2006/metadata/properties" xmlns:xsi="http://www.w3.org/2001/XMLSchema-instance" xmlns:pc="http://schemas.microsoft.com/office/infopath/2007/PartnerControls">
+  <documentManagement>
+    <_ip_UnifiedCompliancePolicyUIAction xmlns="http://schemas.microsoft.com/sharepoint/v3" xsi:nil="true"/>
+    <_ip_UnifiedCompliancePolicyProperties xmlns="http://schemas.microsoft.com/sharepoint/v3" xsi:nil="true"/>
+    <TaxCatchAll xmlns="56f87f42-bac6-49e2-b9d5-04744cb514ee" xsi:nil="true"/>
+    <lcf76f155ced4ddcb4097134ff3c332f xmlns="fcae3b96-bd14-4ee2-8386-a94084e60018">
+      <Terms xmlns="http://schemas.microsoft.com/office/infopath/2007/PartnerControls"/>
+    </lcf76f155ced4ddcb4097134ff3c332f>
+  </documentManagement>
+</p:properties>
 </file>
 
 <file path=customXml/item2.xml><?xml version="1.0" encoding="utf-8"?>
-<ct:contentTypeSchema xmlns:ct="http://schemas.microsoft.com/office/2006/metadata/contentType" xmlns:ma="http://schemas.microsoft.com/office/2006/metadata/properties/metaAttributes" ct:_="" ma:_="" ma:contentTypeName="Document" ma:contentTypeID="0x0101006A7D154A9B6B4745A92074A700A40869" ma:contentTypeVersion="20" ma:contentTypeDescription="Create a new document." ma:contentTypeScope="" ma:versionID="4700412846cc2d92d5bfc09b17f2b596">
-  <xsd:schema xmlns:xsd="http://www.w3.org/2001/XMLSchema" xmlns:xs="http://www.w3.org/2001/XMLSchema" xmlns:p="http://schemas.microsoft.com/office/2006/metadata/properties" xmlns:ns1="http://schemas.microsoft.com/sharepoint/v3" xmlns:ns2="fcae3b96-bd14-4ee2-8386-a94084e60018" xmlns:ns3="56f87f42-bac6-49e2-b9d5-04744cb514ee" targetNamespace="http://schemas.microsoft.com/office/2006/metadata/properties" ma:root="true" ma:fieldsID="4dc93edef7d94870cad9d9e451de4eb6" ns1:_="" ns2:_="" ns3:_="">
+<ct:contentTypeSchema xmlns:ct="http://schemas.microsoft.com/office/2006/metadata/contentType" xmlns:ma="http://schemas.microsoft.com/office/2006/metadata/properties/metaAttributes" ct:_="" ma:_="" ma:contentTypeName="Document" ma:contentTypeID="0x0101006A7D154A9B6B4745A92074A700A40869" ma:contentTypeVersion="21" ma:contentTypeDescription="Create a new document." ma:contentTypeScope="" ma:versionID="3e3b2c20220977b5cf118c6f19245e84">
+  <xsd:schema xmlns:xsd="http://www.w3.org/2001/XMLSchema" xmlns:xs="http://www.w3.org/2001/XMLSchema" xmlns:p="http://schemas.microsoft.com/office/2006/metadata/properties" xmlns:ns1="http://schemas.microsoft.com/sharepoint/v3" xmlns:ns2="fcae3b96-bd14-4ee2-8386-a94084e60018" xmlns:ns3="56f87f42-bac6-49e2-b9d5-04744cb514ee" targetNamespace="http://schemas.microsoft.com/office/2006/metadata/properties" ma:root="true" ma:fieldsID="7c725e19281c8653180e5e1eb0426fa7" ns1:_="" ns2:_="" ns3:_="">
     <xsd:import namespace="http://schemas.microsoft.com/sharepoint/v3"/>
     <xsd:import namespace="fcae3b96-bd14-4ee2-8386-a94084e60018"/>
     <xsd:import namespace="56f87f42-bac6-49e2-b9d5-04744cb514ee"/>
@@ -7043,31 +7131,15 @@
 </file>
 
 <file path=customXml/item3.xml><?xml version="1.0" encoding="utf-8"?>
-<p:properties xmlns:p="http://schemas.microsoft.com/office/2006/metadata/properties" xmlns:xsi="http://www.w3.org/2001/XMLSchema-instance" xmlns:pc="http://schemas.microsoft.com/office/infopath/2007/PartnerControls">
-  <documentManagement>
-    <_ip_UnifiedCompliancePolicyUIAction xmlns="http://schemas.microsoft.com/sharepoint/v3" xsi:nil="true"/>
-    <_ip_UnifiedCompliancePolicyProperties xmlns="http://schemas.microsoft.com/sharepoint/v3" xsi:nil="true"/>
-    <TaxCatchAll xmlns="56f87f42-bac6-49e2-b9d5-04744cb514ee" xsi:nil="true"/>
-    <lcf76f155ced4ddcb4097134ff3c332f xmlns="fcae3b96-bd14-4ee2-8386-a94084e60018">
-      <Terms xmlns="http://schemas.microsoft.com/office/infopath/2007/PartnerControls"/>
-    </lcf76f155ced4ddcb4097134ff3c332f>
-  </documentManagement>
-</p:properties>
+<?mso-contentType ?>
+<FormTemplates xmlns="http://schemas.microsoft.com/sharepoint/v3/contenttype/forms">
+  <Display>DocumentLibraryForm</Display>
+  <Edit>DocumentLibraryForm</Edit>
+  <New>DocumentLibraryForm</New>
+</FormTemplates>
 </file>
 
 <file path=customXml/itemProps1.xml><?xml version="1.0" encoding="utf-8"?>
-<ds:datastoreItem xmlns:ds="http://schemas.openxmlformats.org/officeDocument/2006/customXml" ds:itemID="{3D53B5E4-9E5E-465C-8B9F-3AD777F366C0}">
-  <ds:schemaRefs>
-    <ds:schemaRef ds:uri="http://schemas.microsoft.com/sharepoint/v3/contenttype/forms"/>
-  </ds:schemaRefs>
-</ds:datastoreItem>
-</file>
-
-<file path=customXml/itemProps2.xml><?xml version="1.0" encoding="utf-8"?>
-<ds:datastoreItem xmlns:ds="http://schemas.openxmlformats.org/officeDocument/2006/customXml" ds:itemID="{A8A976D5-5A58-45F1-AEA3-88154405FB8A}"/>
-</file>
-
-<file path=customXml/itemProps3.xml><?xml version="1.0" encoding="utf-8"?>
 <ds:datastoreItem xmlns:ds="http://schemas.openxmlformats.org/officeDocument/2006/customXml" ds:itemID="{4E4FE04E-EDD4-4DB0-AFE3-C724CE4C59F5}">
   <ds:schemaRefs>
     <ds:schemaRef ds:uri="http://schemas.microsoft.com/office/2006/metadata/properties"/>
@@ -7075,6 +7147,36 @@
     <ds:schemaRef ds:uri="http://schemas.microsoft.com/sharepoint/v3"/>
     <ds:schemaRef ds:uri="http://www.w3.org/2001/XMLSchema-instance"/>
     <ds:schemaRef ds:uri="http://schemas.microsoft.com/office/infopath/2007/PartnerControls"/>
+    <ds:schemaRef ds:uri="56f87f42-bac6-49e2-b9d5-04744cb514ee"/>
+    <ds:schemaRef ds:uri="fcae3b96-bd14-4ee2-8386-a94084e60018"/>
+  </ds:schemaRefs>
+</ds:datastoreItem>
+</file>
+
+<file path=customXml/itemProps2.xml><?xml version="1.0" encoding="utf-8"?>
+<ds:datastoreItem xmlns:ds="http://schemas.openxmlformats.org/officeDocument/2006/customXml" ds:itemID="{48A4CDA8-254F-49E9-951F-65D10C8C56FA}">
+  <ds:schemaRefs>
+    <ds:schemaRef ds:uri="http://schemas.microsoft.com/office/2006/metadata/contentType"/>
+    <ds:schemaRef ds:uri="http://schemas.microsoft.com/office/2006/metadata/properties/metaAttributes"/>
+    <ds:schemaRef ds:uri="http://www.w3.org/2001/XMLSchema"/>
+    <ds:schemaRef ds:uri="http://schemas.microsoft.com/office/2006/metadata/properties"/>
+    <ds:schemaRef ds:uri="http://schemas.microsoft.com/sharepoint/v3"/>
+    <ds:schemaRef ds:uri="fcae3b96-bd14-4ee2-8386-a94084e60018"/>
+    <ds:schemaRef ds:uri="56f87f42-bac6-49e2-b9d5-04744cb514ee"/>
+    <ds:schemaRef ds:uri="http://schemas.microsoft.com/office/2006/documentManagement/types"/>
+    <ds:schemaRef ds:uri="http://schemas.microsoft.com/office/infopath/2007/PartnerControls"/>
+    <ds:schemaRef ds:uri="http://schemas.openxmlformats.org/package/2006/metadata/core-properties"/>
+    <ds:schemaRef ds:uri="http://purl.org/dc/elements/1.1/"/>
+    <ds:schemaRef ds:uri="http://purl.org/dc/terms/"/>
+    <ds:schemaRef ds:uri="http://schemas.microsoft.com/internal/obd"/>
+  </ds:schemaRefs>
+</ds:datastoreItem>
+</file>
+
+<file path=customXml/itemProps3.xml><?xml version="1.0" encoding="utf-8"?>
+<ds:datastoreItem xmlns:ds="http://schemas.openxmlformats.org/officeDocument/2006/customXml" ds:itemID="{3D53B5E4-9E5E-465C-8B9F-3AD777F366C0}">
+  <ds:schemaRefs>
+    <ds:schemaRef ds:uri="http://schemas.microsoft.com/sharepoint/v3/contenttype/forms"/>
   </ds:schemaRefs>
 </ds:datastoreItem>
 </file>